--- a/Agile Business Analysis/03-Understanding the Biz Domain.pptx
+++ b/Agile Business Analysis/03-Understanding the Biz Domain.pptx
@@ -280,6 +280,34 @@
         </p14:section>
       </p14:sectionLst>
     </p:ext>
+    <p:ext uri="{EFAFB233-063F-42B5-8137-9DF3F51BA10A}">
+      <p15:sldGuideLst xmlns:p15="http://schemas.microsoft.com/office/powerpoint/2012/main">
+        <p15:guide id="1" orient="horz" pos="2160">
+          <p15:clr>
+            <a:srgbClr val="A4A3A4"/>
+          </p15:clr>
+        </p15:guide>
+        <p15:guide id="2" pos="2880">
+          <p15:clr>
+            <a:srgbClr val="A4A3A4"/>
+          </p15:clr>
+        </p15:guide>
+      </p15:sldGuideLst>
+    </p:ext>
+    <p:ext uri="{2D200454-40CA-4A62-9FC3-DE9A4176ACB9}">
+      <p15:notesGuideLst xmlns:p15="http://schemas.microsoft.com/office/powerpoint/2012/main">
+        <p15:guide id="1" orient="horz" pos="2929">
+          <p15:clr>
+            <a:srgbClr val="A4A3A4"/>
+          </p15:clr>
+        </p15:guide>
+        <p15:guide id="2" pos="2208">
+          <p15:clr>
+            <a:srgbClr val="A4A3A4"/>
+          </p15:clr>
+        </p15:guide>
+      </p15:notesGuideLst>
+    </p:ext>
   </p:extLst>
 </p:presentation>
 </file>
@@ -425,7 +453,7 @@
             <a:fld id="{3645A85B-5EE2-224D-892B-EBDEE738041D}" type="datetime1">
               <a:rPr lang="en-US"/>
               <a:pPr/>
-              <a:t>9/24/15</a:t>
+              <a:t>10/5/15</a:t>
             </a:fld>
             <a:endParaRPr lang="en-US"/>
           </a:p>
@@ -668,7 +696,7 @@
             <a:fld id="{357A0049-9727-1C49-9F90-B954D42273FA}" type="datetime1">
               <a:rPr lang="en-US"/>
               <a:pPr/>
-              <a:t>9/24/15</a:t>
+              <a:t>10/5/15</a:t>
             </a:fld>
             <a:endParaRPr lang="en-US"/>
           </a:p>
@@ -1177,6 +1205,11 @@
         </p:txBody>
       </p:sp>
     </p:spTree>
+    <p:extLst>
+      <p:ext uri="{BB962C8B-B14F-4D97-AF65-F5344CB8AC3E}">
+        <p14:creationId xmlns:p14="http://schemas.microsoft.com/office/powerpoint/2010/main" val="327595038"/>
+      </p:ext>
+    </p:extLst>
   </p:cSld>
   <p:clrMapOvr>
     <a:masterClrMapping/>
@@ -1294,6 +1327,11 @@
         </p:txBody>
       </p:sp>
     </p:spTree>
+    <p:extLst>
+      <p:ext uri="{BB962C8B-B14F-4D97-AF65-F5344CB8AC3E}">
+        <p14:creationId xmlns:p14="http://schemas.microsoft.com/office/powerpoint/2010/main" val="1640818104"/>
+      </p:ext>
+    </p:extLst>
   </p:cSld>
   <p:clrMapOvr>
     <a:masterClrMapping/>
@@ -1395,6 +1433,11 @@
         </p:txBody>
       </p:sp>
     </p:spTree>
+    <p:extLst>
+      <p:ext uri="{BB962C8B-B14F-4D97-AF65-F5344CB8AC3E}">
+        <p14:creationId xmlns:p14="http://schemas.microsoft.com/office/powerpoint/2010/main" val="1392362801"/>
+      </p:ext>
+    </p:extLst>
   </p:cSld>
   <p:clrMapOvr>
     <a:masterClrMapping/>
@@ -1487,6 +1530,11 @@
         </p:txBody>
       </p:sp>
     </p:spTree>
+    <p:extLst>
+      <p:ext uri="{BB962C8B-B14F-4D97-AF65-F5344CB8AC3E}">
+        <p14:creationId xmlns:p14="http://schemas.microsoft.com/office/powerpoint/2010/main" val="312295048"/>
+      </p:ext>
+    </p:extLst>
   </p:cSld>
   <p:clrMapOvr>
     <a:masterClrMapping/>
@@ -1663,6 +1711,11 @@
         </p:txBody>
       </p:sp>
     </p:spTree>
+    <p:extLst>
+      <p:ext uri="{BB962C8B-B14F-4D97-AF65-F5344CB8AC3E}">
+        <p14:creationId xmlns:p14="http://schemas.microsoft.com/office/powerpoint/2010/main" val="292838468"/>
+      </p:ext>
+    </p:extLst>
   </p:cSld>
   <p:clrMapOvr>
     <a:masterClrMapping/>
@@ -1833,6 +1886,11 @@
         </p:txBody>
       </p:sp>
     </p:spTree>
+    <p:extLst>
+      <p:ext uri="{BB962C8B-B14F-4D97-AF65-F5344CB8AC3E}">
+        <p14:creationId xmlns:p14="http://schemas.microsoft.com/office/powerpoint/2010/main" val="1851096399"/>
+      </p:ext>
+    </p:extLst>
   </p:cSld>
   <p:clrMapOvr>
     <a:masterClrMapping/>
@@ -1943,6 +2001,11 @@
         </p:txBody>
       </p:sp>
     </p:spTree>
+    <p:extLst>
+      <p:ext uri="{BB962C8B-B14F-4D97-AF65-F5344CB8AC3E}">
+        <p14:creationId xmlns:p14="http://schemas.microsoft.com/office/powerpoint/2010/main" val="781583904"/>
+      </p:ext>
+    </p:extLst>
   </p:cSld>
   <p:clrMapOvr>
     <a:masterClrMapping/>
@@ -2099,6 +2162,11 @@
         </p:txBody>
       </p:sp>
     </p:spTree>
+    <p:extLst>
+      <p:ext uri="{BB962C8B-B14F-4D97-AF65-F5344CB8AC3E}">
+        <p14:creationId xmlns:p14="http://schemas.microsoft.com/office/powerpoint/2010/main" val="2070689476"/>
+      </p:ext>
+    </p:extLst>
   </p:cSld>
   <p:clrMapOvr>
     <a:masterClrMapping/>
@@ -2298,6 +2366,11 @@
         </p:txBody>
       </p:sp>
     </p:spTree>
+    <p:extLst>
+      <p:ext uri="{BB962C8B-B14F-4D97-AF65-F5344CB8AC3E}">
+        <p14:creationId xmlns:p14="http://schemas.microsoft.com/office/powerpoint/2010/main" val="1297878813"/>
+      </p:ext>
+    </p:extLst>
   </p:cSld>
   <p:clrMapOvr>
     <a:masterClrMapping/>
@@ -2434,6 +2507,11 @@
         </p:txBody>
       </p:sp>
     </p:spTree>
+    <p:extLst>
+      <p:ext uri="{BB962C8B-B14F-4D97-AF65-F5344CB8AC3E}">
+        <p14:creationId xmlns:p14="http://schemas.microsoft.com/office/powerpoint/2010/main" val="1457807512"/>
+      </p:ext>
+    </p:extLst>
   </p:cSld>
   <p:clrMapOvr>
     <a:masterClrMapping/>
@@ -2576,6 +2654,11 @@
         </p:txBody>
       </p:sp>
     </p:spTree>
+    <p:extLst>
+      <p:ext uri="{BB962C8B-B14F-4D97-AF65-F5344CB8AC3E}">
+        <p14:creationId xmlns:p14="http://schemas.microsoft.com/office/powerpoint/2010/main" val="1889216405"/>
+      </p:ext>
+    </p:extLst>
   </p:cSld>
   <p:clrMapOvr>
     <a:masterClrMapping/>
@@ -2712,6 +2795,11 @@
         </p:txBody>
       </p:sp>
     </p:spTree>
+    <p:extLst>
+      <p:ext uri="{BB962C8B-B14F-4D97-AF65-F5344CB8AC3E}">
+        <p14:creationId xmlns:p14="http://schemas.microsoft.com/office/powerpoint/2010/main" val="729925561"/>
+      </p:ext>
+    </p:extLst>
   </p:cSld>
   <p:clrMapOvr>
     <a:masterClrMapping/>
@@ -2848,6 +2936,11 @@
         </p:txBody>
       </p:sp>
     </p:spTree>
+    <p:extLst>
+      <p:ext uri="{BB962C8B-B14F-4D97-AF65-F5344CB8AC3E}">
+        <p14:creationId xmlns:p14="http://schemas.microsoft.com/office/powerpoint/2010/main" val="1432312063"/>
+      </p:ext>
+    </p:extLst>
   </p:cSld>
   <p:clrMapOvr>
     <a:masterClrMapping/>
@@ -3196,6 +3289,11 @@
         </p:txBody>
       </p:sp>
     </p:spTree>
+    <p:extLst>
+      <p:ext uri="{BB962C8B-B14F-4D97-AF65-F5344CB8AC3E}">
+        <p14:creationId xmlns:p14="http://schemas.microsoft.com/office/powerpoint/2010/main" val="1498504167"/>
+      </p:ext>
+    </p:extLst>
   </p:cSld>
   <p:clrMapOvr>
     <a:masterClrMapping/>
@@ -3336,6 +3434,11 @@
         </p:txBody>
       </p:sp>
     </p:spTree>
+    <p:extLst>
+      <p:ext uri="{BB962C8B-B14F-4D97-AF65-F5344CB8AC3E}">
+        <p14:creationId xmlns:p14="http://schemas.microsoft.com/office/powerpoint/2010/main" val="1818806400"/>
+      </p:ext>
+    </p:extLst>
   </p:cSld>
   <p:clrMapOvr>
     <a:masterClrMapping/>
@@ -3473,6 +3576,11 @@
         </p:txBody>
       </p:sp>
     </p:spTree>
+    <p:extLst>
+      <p:ext uri="{BB962C8B-B14F-4D97-AF65-F5344CB8AC3E}">
+        <p14:creationId xmlns:p14="http://schemas.microsoft.com/office/powerpoint/2010/main" val="1396933402"/>
+      </p:ext>
+    </p:extLst>
   </p:cSld>
   <p:clrMapOvr>
     <a:masterClrMapping/>
@@ -3643,6 +3751,11 @@
         </p:txBody>
       </p:sp>
     </p:spTree>
+    <p:extLst>
+      <p:ext uri="{BB962C8B-B14F-4D97-AF65-F5344CB8AC3E}">
+        <p14:creationId xmlns:p14="http://schemas.microsoft.com/office/powerpoint/2010/main" val="1968458410"/>
+      </p:ext>
+    </p:extLst>
   </p:cSld>
   <p:clrMapOvr>
     <a:masterClrMapping/>
@@ -3806,6 +3919,11 @@
         </p:txBody>
       </p:sp>
     </p:spTree>
+    <p:extLst>
+      <p:ext uri="{BB962C8B-B14F-4D97-AF65-F5344CB8AC3E}">
+        <p14:creationId xmlns:p14="http://schemas.microsoft.com/office/powerpoint/2010/main" val="1894914835"/>
+      </p:ext>
+    </p:extLst>
   </p:cSld>
   <p:clrMapOvr>
     <a:masterClrMapping/>
@@ -3910,6 +4028,11 @@
         </p:txBody>
       </p:sp>
     </p:spTree>
+    <p:extLst>
+      <p:ext uri="{BB962C8B-B14F-4D97-AF65-F5344CB8AC3E}">
+        <p14:creationId xmlns:p14="http://schemas.microsoft.com/office/powerpoint/2010/main" val="651146835"/>
+      </p:ext>
+    </p:extLst>
   </p:cSld>
   <p:clrMapOvr>
     <a:masterClrMapping/>
@@ -4026,6 +4149,11 @@
         </p:txBody>
       </p:sp>
     </p:spTree>
+    <p:extLst>
+      <p:ext uri="{BB962C8B-B14F-4D97-AF65-F5344CB8AC3E}">
+        <p14:creationId xmlns:p14="http://schemas.microsoft.com/office/powerpoint/2010/main" val="248190733"/>
+      </p:ext>
+    </p:extLst>
   </p:cSld>
   <p:clrMapOvr>
     <a:masterClrMapping/>
@@ -4152,6 +4280,11 @@
         </p:txBody>
       </p:sp>
     </p:spTree>
+    <p:extLst>
+      <p:ext uri="{BB962C8B-B14F-4D97-AF65-F5344CB8AC3E}">
+        <p14:creationId xmlns:p14="http://schemas.microsoft.com/office/powerpoint/2010/main" val="928407057"/>
+      </p:ext>
+    </p:extLst>
   </p:cSld>
   <p:clrMapOvr>
     <a:masterClrMapping/>
@@ -4387,6 +4520,11 @@
         </p:txBody>
       </p:sp>
     </p:spTree>
+    <p:extLst>
+      <p:ext uri="{BB962C8B-B14F-4D97-AF65-F5344CB8AC3E}">
+        <p14:creationId xmlns:p14="http://schemas.microsoft.com/office/powerpoint/2010/main" val="1514397940"/>
+      </p:ext>
+    </p:extLst>
   </p:cSld>
   <p:clrMapOvr>
     <a:masterClrMapping/>
@@ -4479,6 +4617,11 @@
         </p:txBody>
       </p:sp>
     </p:spTree>
+    <p:extLst>
+      <p:ext uri="{BB962C8B-B14F-4D97-AF65-F5344CB8AC3E}">
+        <p14:creationId xmlns:p14="http://schemas.microsoft.com/office/powerpoint/2010/main" val="121227897"/>
+      </p:ext>
+    </p:extLst>
   </p:cSld>
   <p:clrMapOvr>
     <a:masterClrMapping/>
@@ -4833,6 +4976,11 @@
         </p:txBody>
       </p:sp>
     </p:spTree>
+    <p:extLst>
+      <p:ext uri="{BB962C8B-B14F-4D97-AF65-F5344CB8AC3E}">
+        <p14:creationId xmlns:p14="http://schemas.microsoft.com/office/powerpoint/2010/main" val="1662767523"/>
+      </p:ext>
+    </p:extLst>
   </p:cSld>
   <p:clrMapOvr>
     <a:masterClrMapping/>
@@ -5034,6 +5182,11 @@
         </p:txBody>
       </p:sp>
     </p:spTree>
+    <p:extLst>
+      <p:ext uri="{BB962C8B-B14F-4D97-AF65-F5344CB8AC3E}">
+        <p14:creationId xmlns:p14="http://schemas.microsoft.com/office/powerpoint/2010/main" val="929060650"/>
+      </p:ext>
+    </p:extLst>
   </p:cSld>
   <p:clrMapOvr>
     <a:masterClrMapping/>
@@ -5235,6 +5388,11 @@
         </p:txBody>
       </p:sp>
     </p:spTree>
+    <p:extLst>
+      <p:ext uri="{BB962C8B-B14F-4D97-AF65-F5344CB8AC3E}">
+        <p14:creationId xmlns:p14="http://schemas.microsoft.com/office/powerpoint/2010/main" val="368747213"/>
+      </p:ext>
+    </p:extLst>
   </p:cSld>
   <p:clrMapOvr>
     <a:masterClrMapping/>
@@ -5388,6 +5546,11 @@
         </p:txBody>
       </p:sp>
     </p:spTree>
+    <p:extLst>
+      <p:ext uri="{BB962C8B-B14F-4D97-AF65-F5344CB8AC3E}">
+        <p14:creationId xmlns:p14="http://schemas.microsoft.com/office/powerpoint/2010/main" val="2044087296"/>
+      </p:ext>
+    </p:extLst>
   </p:cSld>
   <p:clrMapOvr>
     <a:masterClrMapping/>
@@ -5482,6 +5645,11 @@
         </p:txBody>
       </p:sp>
     </p:spTree>
+    <p:extLst>
+      <p:ext uri="{BB962C8B-B14F-4D97-AF65-F5344CB8AC3E}">
+        <p14:creationId xmlns:p14="http://schemas.microsoft.com/office/powerpoint/2010/main" val="1679282813"/>
+      </p:ext>
+    </p:extLst>
   </p:cSld>
   <p:clrMapOvr>
     <a:masterClrMapping/>
@@ -5574,6 +5742,11 @@
         </p:txBody>
       </p:sp>
     </p:spTree>
+    <p:extLst>
+      <p:ext uri="{BB962C8B-B14F-4D97-AF65-F5344CB8AC3E}">
+        <p14:creationId xmlns:p14="http://schemas.microsoft.com/office/powerpoint/2010/main" val="1476149217"/>
+      </p:ext>
+    </p:extLst>
   </p:cSld>
   <p:clrMapOvr>
     <a:masterClrMapping/>
@@ -5741,6 +5914,11 @@
         </p:txBody>
       </p:sp>
     </p:spTree>
+    <p:extLst>
+      <p:ext uri="{BB962C8B-B14F-4D97-AF65-F5344CB8AC3E}">
+        <p14:creationId xmlns:p14="http://schemas.microsoft.com/office/powerpoint/2010/main" val="1908799975"/>
+      </p:ext>
+    </p:extLst>
   </p:cSld>
   <p:clrMapOvr>
     <a:masterClrMapping/>
@@ -5880,6 +6058,11 @@
         </p:txBody>
       </p:sp>
     </p:spTree>
+    <p:extLst>
+      <p:ext uri="{BB962C8B-B14F-4D97-AF65-F5344CB8AC3E}">
+        <p14:creationId xmlns:p14="http://schemas.microsoft.com/office/powerpoint/2010/main" val="2090460939"/>
+      </p:ext>
+    </p:extLst>
   </p:cSld>
   <p:clrMapOvr>
     <a:masterClrMapping/>
@@ -5972,6 +6155,11 @@
         </p:txBody>
       </p:sp>
     </p:spTree>
+    <p:extLst>
+      <p:ext uri="{BB962C8B-B14F-4D97-AF65-F5344CB8AC3E}">
+        <p14:creationId xmlns:p14="http://schemas.microsoft.com/office/powerpoint/2010/main" val="1544536853"/>
+      </p:ext>
+    </p:extLst>
   </p:cSld>
   <p:clrMapOvr>
     <a:masterClrMapping/>
@@ -6246,6 +6434,11 @@
         </p:txBody>
       </p:sp>
     </p:spTree>
+    <p:extLst>
+      <p:ext uri="{BB962C8B-B14F-4D97-AF65-F5344CB8AC3E}">
+        <p14:creationId xmlns:p14="http://schemas.microsoft.com/office/powerpoint/2010/main" val="509993336"/>
+      </p:ext>
+    </p:extLst>
   </p:cSld>
   <p:clrMapOvr>
     <a:masterClrMapping/>
@@ -6352,6 +6545,11 @@
         </p:txBody>
       </p:sp>
     </p:spTree>
+    <p:extLst>
+      <p:ext uri="{BB962C8B-B14F-4D97-AF65-F5344CB8AC3E}">
+        <p14:creationId xmlns:p14="http://schemas.microsoft.com/office/powerpoint/2010/main" val="248563435"/>
+      </p:ext>
+    </p:extLst>
   </p:cSld>
   <p:clrMapOvr>
     <a:masterClrMapping/>
@@ -6446,6 +6644,11 @@
         </p:txBody>
       </p:sp>
     </p:spTree>
+    <p:extLst>
+      <p:ext uri="{BB962C8B-B14F-4D97-AF65-F5344CB8AC3E}">
+        <p14:creationId xmlns:p14="http://schemas.microsoft.com/office/powerpoint/2010/main" val="749958630"/>
+      </p:ext>
+    </p:extLst>
   </p:cSld>
   <p:clrMapOvr>
     <a:masterClrMapping/>
@@ -6570,6 +6773,11 @@
         </p:txBody>
       </p:sp>
     </p:spTree>
+    <p:extLst>
+      <p:ext uri="{BB962C8B-B14F-4D97-AF65-F5344CB8AC3E}">
+        <p14:creationId xmlns:p14="http://schemas.microsoft.com/office/powerpoint/2010/main" val="973170167"/>
+      </p:ext>
+    </p:extLst>
   </p:cSld>
   <p:clrMapOvr>
     <a:masterClrMapping/>
@@ -6754,6 +6962,11 @@
         </p:txBody>
       </p:sp>
     </p:spTree>
+    <p:extLst>
+      <p:ext uri="{BB962C8B-B14F-4D97-AF65-F5344CB8AC3E}">
+        <p14:creationId xmlns:p14="http://schemas.microsoft.com/office/powerpoint/2010/main" val="835541217"/>
+      </p:ext>
+    </p:extLst>
   </p:cSld>
   <p:clrMapOvr>
     <a:masterClrMapping/>
@@ -6849,6 +7062,11 @@
         </p:txBody>
       </p:sp>
     </p:spTree>
+    <p:extLst>
+      <p:ext uri="{BB962C8B-B14F-4D97-AF65-F5344CB8AC3E}">
+        <p14:creationId xmlns:p14="http://schemas.microsoft.com/office/powerpoint/2010/main" val="827199099"/>
+      </p:ext>
+    </p:extLst>
   </p:cSld>
   <p:clrMapOvr>
     <a:masterClrMapping/>
@@ -6978,6 +7196,11 @@
         </p:txBody>
       </p:sp>
     </p:spTree>
+    <p:extLst>
+      <p:ext uri="{BB962C8B-B14F-4D97-AF65-F5344CB8AC3E}">
+        <p14:creationId xmlns:p14="http://schemas.microsoft.com/office/powerpoint/2010/main" val="2073609862"/>
+      </p:ext>
+    </p:extLst>
   </p:cSld>
   <p:clrMapOvr>
     <a:masterClrMapping/>
@@ -7101,6 +7324,11 @@
         </p:txBody>
       </p:sp>
     </p:spTree>
+    <p:extLst>
+      <p:ext uri="{BB962C8B-B14F-4D97-AF65-F5344CB8AC3E}">
+        <p14:creationId xmlns:p14="http://schemas.microsoft.com/office/powerpoint/2010/main" val="1796327118"/>
+      </p:ext>
+    </p:extLst>
   </p:cSld>
   <p:clrMapOvr>
     <a:masterClrMapping/>
@@ -7266,6 +7494,11 @@
         </p:txBody>
       </p:sp>
     </p:spTree>
+    <p:extLst>
+      <p:ext uri="{BB962C8B-B14F-4D97-AF65-F5344CB8AC3E}">
+        <p14:creationId xmlns:p14="http://schemas.microsoft.com/office/powerpoint/2010/main" val="1544762700"/>
+      </p:ext>
+    </p:extLst>
   </p:cSld>
   <p:clrMapOvr>
     <a:masterClrMapping/>
@@ -7390,6 +7623,11 @@
         </p:txBody>
       </p:sp>
     </p:spTree>
+    <p:extLst>
+      <p:ext uri="{BB962C8B-B14F-4D97-AF65-F5344CB8AC3E}">
+        <p14:creationId xmlns:p14="http://schemas.microsoft.com/office/powerpoint/2010/main" val="1896890317"/>
+      </p:ext>
+    </p:extLst>
   </p:cSld>
   <p:clrMapOvr>
     <a:masterClrMapping/>
@@ -7554,7 +7792,7 @@
   <p:clrMapOvr>
     <a:masterClrMapping/>
   </p:clrMapOvr>
-  <p:transition xmlns:p14="http://schemas.microsoft.com/office/powerpoint/2010/main" spd="med">
+  <p:transition spd="med">
     <p:fade/>
   </p:transition>
 </p:sldLayout>
@@ -7612,7 +7850,7 @@
   <p:clrMapOvr>
     <a:masterClrMapping/>
   </p:clrMapOvr>
-  <p:transition xmlns:p14="http://schemas.microsoft.com/office/powerpoint/2010/main" spd="med">
+  <p:transition spd="med">
     <p:fade/>
   </p:transition>
 </p:sldLayout>
@@ -7852,7 +8090,7 @@
   <p:clrMapOvr>
     <a:masterClrMapping/>
   </p:clrMapOvr>
-  <p:transition xmlns:p14="http://schemas.microsoft.com/office/powerpoint/2010/main" spd="med">
+  <p:transition spd="med">
     <p:fade/>
   </p:transition>
 </p:sldLayout>
@@ -8073,7 +8311,7 @@
   <p:clrMapOvr>
     <a:masterClrMapping/>
   </p:clrMapOvr>
-  <p:transition xmlns:p14="http://schemas.microsoft.com/office/powerpoint/2010/main" spd="med">
+  <p:transition spd="med">
     <p:fade/>
   </p:transition>
 </p:sldLayout>
@@ -8206,7 +8444,7 @@
   <p:clrMapOvr>
     <a:masterClrMapping/>
   </p:clrMapOvr>
-  <p:transition xmlns:p14="http://schemas.microsoft.com/office/powerpoint/2010/main" spd="med">
+  <p:transition spd="med">
     <p:fade/>
   </p:transition>
 </p:sldLayout>
@@ -8349,7 +8587,7 @@
   <p:clrMapOvr>
     <a:masterClrMapping/>
   </p:clrMapOvr>
-  <p:transition xmlns:p14="http://schemas.microsoft.com/office/powerpoint/2010/main" spd="med">
+  <p:transition spd="med">
     <p:fade/>
   </p:transition>
 </p:sldLayout>
@@ -8549,13 +8787,13 @@
   <p:clrMapOvr>
     <a:masterClrMapping/>
   </p:clrMapOvr>
-  <p:transition xmlns:p14="http://schemas.microsoft.com/office/powerpoint/2010/main" spd="med">
+  <p:transition spd="med">
     <p:fade/>
   </p:transition>
   <p:timing>
     <p:tnLst>
       <p:par>
-        <p:cTn xmlns:p14="http://schemas.microsoft.com/office/powerpoint/2010/main" id="1" dur="indefinite" restart="never" nodeType="tmRoot"/>
+        <p:cTn id="1" dur="indefinite" restart="never" nodeType="tmRoot"/>
       </p:par>
     </p:tnLst>
   </p:timing>
@@ -9434,7 +9672,7 @@
   <p:clrMapOvr>
     <a:masterClrMapping/>
   </p:clrMapOvr>
-  <p:transition xmlns:p14="http://schemas.microsoft.com/office/powerpoint/2010/main" spd="med">
+  <p:transition spd="med">
     <p:fade/>
   </p:transition>
 </p:sldLayout>
@@ -9625,13 +9863,13 @@
   <p:clrMapOvr>
     <a:masterClrMapping/>
   </p:clrMapOvr>
-  <p:transition xmlns:p14="http://schemas.microsoft.com/office/powerpoint/2010/main" spd="med">
+  <p:transition spd="med">
     <p:fade/>
   </p:transition>
   <p:timing>
     <p:tnLst>
       <p:par>
-        <p:cTn xmlns:p14="http://schemas.microsoft.com/office/powerpoint/2010/main" id="1" dur="indefinite" restart="never" nodeType="tmRoot"/>
+        <p:cTn id="1" dur="indefinite" restart="never" nodeType="tmRoot"/>
       </p:par>
     </p:tnLst>
   </p:timing>
@@ -10040,13 +10278,13 @@
   <p:clrMapOvr>
     <a:masterClrMapping/>
   </p:clrMapOvr>
-  <p:transition xmlns:p14="http://schemas.microsoft.com/office/powerpoint/2010/main" spd="med">
+  <p:transition spd="med">
     <p:fade/>
   </p:transition>
   <p:timing>
     <p:tnLst>
       <p:par>
-        <p:cTn xmlns:p14="http://schemas.microsoft.com/office/powerpoint/2010/main" id="1" dur="indefinite" restart="never" nodeType="tmRoot"/>
+        <p:cTn id="1" dur="indefinite" restart="never" nodeType="tmRoot"/>
       </p:par>
     </p:tnLst>
   </p:timing>
@@ -10461,13 +10699,13 @@
   <p:clrMapOvr>
     <a:masterClrMapping/>
   </p:clrMapOvr>
-  <p:transition xmlns:p14="http://schemas.microsoft.com/office/powerpoint/2010/main" spd="med">
+  <p:transition spd="med">
     <p:fade/>
   </p:transition>
   <p:timing>
     <p:tnLst>
       <p:par>
-        <p:cTn xmlns:p14="http://schemas.microsoft.com/office/powerpoint/2010/main" id="1" dur="indefinite" restart="never" nodeType="tmRoot"/>
+        <p:cTn id="1" dur="indefinite" restart="never" nodeType="tmRoot"/>
       </p:par>
     </p:tnLst>
   </p:timing>
@@ -10501,13 +10739,13 @@
   <p:clrMapOvr>
     <a:masterClrMapping/>
   </p:clrMapOvr>
-  <p:transition xmlns:p14="http://schemas.microsoft.com/office/powerpoint/2010/main" spd="med">
+  <p:transition spd="med">
     <p:fade/>
   </p:transition>
   <p:timing>
     <p:tnLst>
       <p:par>
-        <p:cTn xmlns:p14="http://schemas.microsoft.com/office/powerpoint/2010/main" id="1" dur="indefinite" restart="never" nodeType="tmRoot"/>
+        <p:cTn id="1" dur="indefinite" restart="never" nodeType="tmRoot"/>
       </p:par>
     </p:tnLst>
   </p:timing>
@@ -11408,7 +11646,7 @@
   <p:clrMapOvr>
     <a:masterClrMapping/>
   </p:clrMapOvr>
-  <p:transition xmlns:p14="http://schemas.microsoft.com/office/powerpoint/2010/main" spd="med">
+  <p:transition spd="med">
     <p:fade/>
   </p:transition>
   <p:hf hdr="0" ftr="0" dt="0"/>
@@ -11557,7 +11795,7 @@
   <p:clrMapOvr>
     <a:masterClrMapping/>
   </p:clrMapOvr>
-  <p:transition xmlns:p14="http://schemas.microsoft.com/office/powerpoint/2010/main" spd="med">
+  <p:transition spd="med">
     <p:fade/>
   </p:transition>
 </p:sldLayout>
@@ -11625,11 +11863,11 @@
   <p:clrMapOvr>
     <a:masterClrMapping/>
   </p:clrMapOvr>
-  <p:transition xmlns:p14="http://schemas.microsoft.com/office/powerpoint/2010/main"/>
+  <p:transition/>
   <p:timing>
     <p:tnLst>
       <p:par>
-        <p:cTn xmlns:p14="http://schemas.microsoft.com/office/powerpoint/2010/main" id="1" dur="indefinite" restart="never" nodeType="tmRoot"/>
+        <p:cTn id="1" dur="indefinite" restart="never" nodeType="tmRoot"/>
       </p:par>
     </p:tnLst>
   </p:timing>
@@ -11774,7 +12012,7 @@
   <p:timing>
     <p:tnLst>
       <p:par>
-        <p:cTn xmlns:p14="http://schemas.microsoft.com/office/powerpoint/2010/main" id="1" dur="indefinite" restart="never" nodeType="tmRoot"/>
+        <p:cTn id="1" dur="indefinite" restart="never" nodeType="tmRoot"/>
       </p:par>
     </p:tnLst>
   </p:timing>
@@ -12053,7 +12291,7 @@
   <p:clrMapOvr>
     <a:masterClrMapping/>
   </p:clrMapOvr>
-  <p:transition xmlns:p14="http://schemas.microsoft.com/office/powerpoint/2010/main" spd="med">
+  <p:transition spd="med">
     <p:fade/>
   </p:transition>
 </p:sldLayout>
@@ -12196,13 +12434,13 @@
   <p:clrMapOvr>
     <a:masterClrMapping/>
   </p:clrMapOvr>
-  <p:transition xmlns:p14="http://schemas.microsoft.com/office/powerpoint/2010/main" spd="med">
+  <p:transition spd="med">
     <p:fade/>
   </p:transition>
   <p:timing>
     <p:tnLst>
       <p:par>
-        <p:cTn xmlns:p14="http://schemas.microsoft.com/office/powerpoint/2010/main" id="1" dur="indefinite" restart="never" nodeType="tmRoot"/>
+        <p:cTn id="1" dur="indefinite" restart="never" nodeType="tmRoot"/>
       </p:par>
     </p:tnLst>
   </p:timing>
@@ -12358,7 +12596,7 @@
   <p:clrMapOvr>
     <a:masterClrMapping/>
   </p:clrMapOvr>
-  <p:transition xmlns:p14="http://schemas.microsoft.com/office/powerpoint/2010/main" spd="med">
+  <p:transition spd="med">
     <p:fade/>
   </p:transition>
 </p:sldLayout>
@@ -12609,7 +12847,7 @@
   <p:clrMapOvr>
     <a:masterClrMapping/>
   </p:clrMapOvr>
-  <p:transition xmlns:p14="http://schemas.microsoft.com/office/powerpoint/2010/main" spd="med">
+  <p:transition spd="med">
     <p:fade/>
   </p:transition>
 </p:sldLayout>
@@ -12999,7 +13237,7 @@
   <p:clrMapOvr>
     <a:masterClrMapping/>
   </p:clrMapOvr>
-  <p:transition xmlns:p14="http://schemas.microsoft.com/office/powerpoint/2010/main" spd="med">
+  <p:transition spd="med">
     <p:fade/>
   </p:transition>
 </p:sldLayout>
@@ -13080,7 +13318,7 @@
   <p:clrMapOvr>
     <a:masterClrMapping/>
   </p:clrMapOvr>
-  <p:transition xmlns:p14="http://schemas.microsoft.com/office/powerpoint/2010/main" spd="med">
+  <p:transition spd="med">
     <p:fade/>
   </p:transition>
 </p:sldLayout>
@@ -13484,13 +13722,13 @@
     <p:sldLayoutId id="2147483689" r:id="rId17"/>
     <p:sldLayoutId id="2147483690" r:id="rId18"/>
   </p:sldLayoutIdLst>
-  <p:transition xmlns:p14="http://schemas.microsoft.com/office/powerpoint/2010/main" spd="med">
+  <p:transition spd="med">
     <p:fade/>
   </p:transition>
   <p:timing>
     <p:tnLst>
       <p:par>
-        <p:cTn xmlns:p14="http://schemas.microsoft.com/office/powerpoint/2010/main" id="1" dur="indefinite" restart="never" nodeType="tmRoot"/>
+        <p:cTn id="1" dur="indefinite" restart="never" nodeType="tmRoot"/>
       </p:par>
     </p:tnLst>
   </p:timing>
@@ -14117,13 +14355,13 @@
     <p:sldLayoutId id="2147483759" r:id="rId13"/>
     <p:sldLayoutId id="2147483760" r:id="rId14"/>
   </p:sldLayoutIdLst>
-  <p:transition xmlns:p14="http://schemas.microsoft.com/office/powerpoint/2010/main" spd="med">
+  <p:transition spd="med">
     <p:fade/>
   </p:transition>
   <p:timing>
     <p:tnLst>
       <p:par>
-        <p:cTn xmlns:p14="http://schemas.microsoft.com/office/powerpoint/2010/main" id="1" dur="indefinite" restart="never" nodeType="tmRoot"/>
+        <p:cTn id="1" dur="indefinite" restart="never" nodeType="tmRoot"/>
       </p:par>
     </p:tnLst>
   </p:timing>
@@ -14478,14 +14716,14 @@
           </a:ln>
           <a:extLst>
             <a:ext uri="{909E8E84-426E-40dd-AFC4-6F175D3DCCD1}">
-              <a14:hiddenFill xmlns:a14="http://schemas.microsoft.com/office/drawing/2010/main">
+              <a14:hiddenFill xmlns:a14="http://schemas.microsoft.com/office/drawing/2010/main" xmlns="">
                 <a:solidFill>
                   <a:srgbClr val="FFFFFF"/>
                 </a:solidFill>
               </a14:hiddenFill>
             </a:ext>
             <a:ext uri="{91240B29-F687-4f45-9708-019B960494DF}">
-              <a14:hiddenLine xmlns:a14="http://schemas.microsoft.com/office/drawing/2010/main" w="9525">
+              <a14:hiddenLine xmlns:a14="http://schemas.microsoft.com/office/drawing/2010/main" xmlns="" w="9525">
                 <a:solidFill>
                   <a:srgbClr val="000000"/>
                 </a:solidFill>
@@ -14607,13 +14845,13 @@
   <p:clrMapOvr>
     <a:masterClrMapping/>
   </p:clrMapOvr>
-  <p:transition xmlns:p14="http://schemas.microsoft.com/office/powerpoint/2010/main" spd="med">
+  <p:transition spd="med">
     <p:fade/>
   </p:transition>
   <p:timing>
     <p:tnLst>
       <p:par>
-        <p:cTn xmlns:p14="http://schemas.microsoft.com/office/powerpoint/2010/main" id="1" dur="indefinite" restart="never" nodeType="tmRoot"/>
+        <p:cTn id="1" dur="indefinite" restart="never" nodeType="tmRoot"/>
       </p:par>
     </p:tnLst>
   </p:timing>
@@ -14973,7 +15211,7 @@
   <p:timing>
     <p:tnLst>
       <p:par>
-        <p:cTn xmlns:p14="http://schemas.microsoft.com/office/powerpoint/2010/main" id="1" dur="indefinite" restart="never" nodeType="tmRoot"/>
+        <p:cTn id="1" dur="indefinite" restart="never" nodeType="tmRoot"/>
       </p:par>
     </p:tnLst>
   </p:timing>
@@ -15134,13 +15372,13 @@
   <p:clrMapOvr>
     <a:masterClrMapping/>
   </p:clrMapOvr>
-  <p:transition xmlns:p14="http://schemas.microsoft.com/office/powerpoint/2010/main" spd="med">
+  <p:transition spd="med">
     <p:fade/>
   </p:transition>
   <p:timing>
     <p:tnLst>
       <p:par>
-        <p:cTn xmlns:p14="http://schemas.microsoft.com/office/powerpoint/2010/main" id="1" dur="indefinite" restart="never" nodeType="tmRoot"/>
+        <p:cTn id="1" dur="indefinite" restart="never" nodeType="tmRoot"/>
       </p:par>
     </p:tnLst>
   </p:timing>
@@ -15192,11 +15430,11 @@
   <p:clrMapOvr>
     <a:masterClrMapping/>
   </p:clrMapOvr>
-  <p:transition xmlns:p14="http://schemas.microsoft.com/office/powerpoint/2010/main"/>
+  <p:transition/>
   <p:timing>
     <p:tnLst>
       <p:par>
-        <p:cTn xmlns:p14="http://schemas.microsoft.com/office/powerpoint/2010/main" id="1" dur="indefinite" restart="never" nodeType="tmRoot"/>
+        <p:cTn id="1" dur="indefinite" restart="never" nodeType="tmRoot"/>
       </p:par>
     </p:tnLst>
   </p:timing>
@@ -15257,13 +15495,13 @@
   <p:clrMapOvr>
     <a:masterClrMapping/>
   </p:clrMapOvr>
-  <p:transition xmlns:p14="http://schemas.microsoft.com/office/powerpoint/2010/main" spd="med">
+  <p:transition spd="med">
     <p:fade/>
   </p:transition>
   <p:timing>
     <p:tnLst>
       <p:par>
-        <p:cTn xmlns:p14="http://schemas.microsoft.com/office/powerpoint/2010/main" id="1" dur="indefinite" restart="never" nodeType="tmRoot"/>
+        <p:cTn id="1" dur="indefinite" restart="never" nodeType="tmRoot"/>
       </p:par>
     </p:tnLst>
   </p:timing>
@@ -15353,13 +15591,13 @@
   <p:clrMapOvr>
     <a:masterClrMapping/>
   </p:clrMapOvr>
-  <p:transition xmlns:p14="http://schemas.microsoft.com/office/powerpoint/2010/main" spd="med">
+  <p:transition spd="med">
     <p:fade/>
   </p:transition>
   <p:timing>
     <p:tnLst>
       <p:par>
-        <p:cTn xmlns:p14="http://schemas.microsoft.com/office/powerpoint/2010/main" id="1" dur="indefinite" restart="never" nodeType="tmRoot"/>
+        <p:cTn id="1" dur="indefinite" restart="never" nodeType="tmRoot"/>
       </p:par>
     </p:tnLst>
   </p:timing>
@@ -15440,13 +15678,13 @@
   <p:clrMapOvr>
     <a:masterClrMapping/>
   </p:clrMapOvr>
-  <p:transition xmlns:p14="http://schemas.microsoft.com/office/powerpoint/2010/main" spd="med">
+  <p:transition spd="med">
     <p:fade/>
   </p:transition>
   <p:timing>
     <p:tnLst>
       <p:par>
-        <p:cTn xmlns:p14="http://schemas.microsoft.com/office/powerpoint/2010/main" id="1" dur="indefinite" restart="never" nodeType="tmRoot"/>
+        <p:cTn id="1" dur="indefinite" restart="never" nodeType="tmRoot"/>
       </p:par>
     </p:tnLst>
   </p:timing>
@@ -15521,7 +15759,7 @@
           <a:graphicData uri="http://schemas.openxmlformats.org/presentationml/2006/ole">
             <mc:AlternateContent xmlns:mc="http://schemas.openxmlformats.org/markup-compatibility/2006">
               <mc:Choice xmlns:v="urn:schemas-microsoft-com:vml" Requires="v">
-                <p:oleObj spid="_x0000_s1068" name="Visio" r:id="rId4" imgW="9849993" imgH="7402830" progId="Visio.Drawing.11">
+                <p:oleObj spid="_x0000_s1070" name="Visio" r:id="rId4" imgW="9849993" imgH="7402830" progId="Visio.Drawing.11">
                   <p:embed/>
                 </p:oleObj>
               </mc:Choice>
@@ -15560,7 +15798,7 @@
                       <a:noFill/>
                       <a:extLst>
                         <a:ext uri="{909E8E84-426E-40dd-AFC4-6F175D3DCCD1}">
-                          <a14:hiddenFill xmlns:a14="http://schemas.microsoft.com/office/drawing/2010/main">
+                          <a14:hiddenFill xmlns:a14="http://schemas.microsoft.com/office/drawing/2010/main" xmlns="">
                             <a:solidFill>
                               <a:srgbClr val="FFFFFF"/>
                             </a:solidFill>
@@ -15580,13 +15818,13 @@
   <p:clrMapOvr>
     <a:masterClrMapping/>
   </p:clrMapOvr>
-  <p:transition xmlns:p14="http://schemas.microsoft.com/office/powerpoint/2010/main" spd="med">
+  <p:transition spd="med">
     <p:fade/>
   </p:transition>
   <p:timing>
     <p:tnLst>
       <p:par>
-        <p:cTn xmlns:p14="http://schemas.microsoft.com/office/powerpoint/2010/main" id="1" dur="indefinite" restart="never" nodeType="tmRoot"/>
+        <p:cTn id="1" dur="indefinite" restart="never" nodeType="tmRoot"/>
       </p:par>
     </p:tnLst>
   </p:timing>
@@ -15660,7 +15898,7 @@
           <a:graphicData uri="http://schemas.openxmlformats.org/presentationml/2006/ole">
             <mc:AlternateContent xmlns:mc="http://schemas.openxmlformats.org/markup-compatibility/2006">
               <mc:Choice xmlns:v="urn:schemas-microsoft-com:vml" Requires="v">
-                <p:oleObj spid="_x0000_s2092" name="Visio" r:id="rId4" imgW="10151364" imgH="7855839" progId="Visio.Drawing.11">
+                <p:oleObj spid="_x0000_s2094" name="Visio" r:id="rId4" imgW="10151364" imgH="7855839" progId="Visio.Drawing.11">
                   <p:embed/>
                 </p:oleObj>
               </mc:Choice>
@@ -15699,7 +15937,7 @@
                       <a:noFill/>
                       <a:extLst>
                         <a:ext uri="{909E8E84-426E-40dd-AFC4-6F175D3DCCD1}">
-                          <a14:hiddenFill xmlns:a14="http://schemas.microsoft.com/office/drawing/2010/main">
+                          <a14:hiddenFill xmlns:a14="http://schemas.microsoft.com/office/drawing/2010/main" xmlns="">
                             <a:solidFill>
                               <a:srgbClr val="FFFFFF"/>
                             </a:solidFill>
@@ -15719,13 +15957,13 @@
   <p:clrMapOvr>
     <a:masterClrMapping/>
   </p:clrMapOvr>
-  <p:transition xmlns:p14="http://schemas.microsoft.com/office/powerpoint/2010/main" spd="med">
+  <p:transition spd="med">
     <p:fade/>
   </p:transition>
   <p:timing>
     <p:tnLst>
       <p:par>
-        <p:cTn xmlns:p14="http://schemas.microsoft.com/office/powerpoint/2010/main" id="1" dur="indefinite" restart="never" nodeType="tmRoot"/>
+        <p:cTn id="1" dur="indefinite" restart="never" nodeType="tmRoot"/>
       </p:par>
     </p:tnLst>
   </p:timing>
@@ -15810,13 +16048,13 @@
   <p:clrMapOvr>
     <a:masterClrMapping/>
   </p:clrMapOvr>
-  <p:transition xmlns:p14="http://schemas.microsoft.com/office/powerpoint/2010/main" spd="med">
+  <p:transition spd="med">
     <p:fade/>
   </p:transition>
   <p:timing>
     <p:tnLst>
       <p:par>
-        <p:cTn xmlns:p14="http://schemas.microsoft.com/office/powerpoint/2010/main" id="1" dur="indefinite" restart="never" nodeType="tmRoot"/>
+        <p:cTn id="1" dur="indefinite" restart="never" nodeType="tmRoot"/>
       </p:par>
     </p:tnLst>
   </p:timing>
@@ -15897,13 +16135,13 @@
   <p:clrMapOvr>
     <a:masterClrMapping/>
   </p:clrMapOvr>
-  <p:transition xmlns:p14="http://schemas.microsoft.com/office/powerpoint/2010/main" spd="med">
+  <p:transition spd="med">
     <p:fade/>
   </p:transition>
   <p:timing>
     <p:tnLst>
       <p:par>
-        <p:cTn xmlns:p14="http://schemas.microsoft.com/office/powerpoint/2010/main" id="1" dur="indefinite" restart="never" nodeType="tmRoot"/>
+        <p:cTn id="1" dur="indefinite" restart="never" nodeType="tmRoot"/>
       </p:par>
     </p:tnLst>
   </p:timing>
@@ -16046,13 +16284,13 @@
   <p:clrMapOvr>
     <a:masterClrMapping/>
   </p:clrMapOvr>
-  <p:transition xmlns:p14="http://schemas.microsoft.com/office/powerpoint/2010/main" spd="med">
+  <p:transition spd="med">
     <p:fade/>
   </p:transition>
   <p:timing>
     <p:tnLst>
       <p:par>
-        <p:cTn xmlns:p14="http://schemas.microsoft.com/office/powerpoint/2010/main" id="1" dur="indefinite" restart="never" nodeType="tmRoot"/>
+        <p:cTn id="1" dur="indefinite" restart="never" nodeType="tmRoot"/>
       </p:par>
     </p:tnLst>
   </p:timing>
@@ -16104,11 +16342,11 @@
   <p:clrMapOvr>
     <a:masterClrMapping/>
   </p:clrMapOvr>
-  <p:transition xmlns:p14="http://schemas.microsoft.com/office/powerpoint/2010/main"/>
+  <p:transition/>
   <p:timing>
     <p:tnLst>
       <p:par>
-        <p:cTn xmlns:p14="http://schemas.microsoft.com/office/powerpoint/2010/main" id="1" dur="indefinite" restart="never" nodeType="tmRoot"/>
+        <p:cTn id="1" dur="indefinite" restart="never" nodeType="tmRoot"/>
       </p:par>
     </p:tnLst>
   </p:timing>
@@ -16202,13 +16440,13 @@
   <p:clrMapOvr>
     <a:masterClrMapping/>
   </p:clrMapOvr>
-  <p:transition xmlns:p14="http://schemas.microsoft.com/office/powerpoint/2010/main" spd="med">
+  <p:transition spd="med">
     <p:fade/>
   </p:transition>
   <p:timing>
     <p:tnLst>
       <p:par>
-        <p:cTn xmlns:p14="http://schemas.microsoft.com/office/powerpoint/2010/main" id="1" dur="indefinite" restart="never" nodeType="tmRoot">
+        <p:cTn id="1" dur="indefinite" restart="never" nodeType="tmRoot">
           <p:childTnLst>
             <p:seq concurrent="1" nextAc="seek">
               <p:cTn id="2" dur="indefinite" nodeType="mainSeq">
@@ -16573,13 +16811,13 @@
   <p:clrMapOvr>
     <a:masterClrMapping/>
   </p:clrMapOvr>
-  <p:transition xmlns:p14="http://schemas.microsoft.com/office/powerpoint/2010/main" spd="med">
+  <p:transition spd="med">
     <p:fade/>
   </p:transition>
   <p:timing>
     <p:tnLst>
       <p:par>
-        <p:cTn xmlns:p14="http://schemas.microsoft.com/office/powerpoint/2010/main" id="1" dur="indefinite" restart="never" nodeType="tmRoot">
+        <p:cTn id="1" dur="indefinite" restart="never" nodeType="tmRoot">
           <p:childTnLst>
             <p:seq concurrent="1" nextAc="seek">
               <p:cTn id="2" dur="indefinite" nodeType="mainSeq">
@@ -16833,13 +17071,13 @@
   <p:clrMapOvr>
     <a:masterClrMapping/>
   </p:clrMapOvr>
-  <p:transition xmlns:p14="http://schemas.microsoft.com/office/powerpoint/2010/main" spd="med">
+  <p:transition spd="med">
     <p:fade/>
   </p:transition>
   <p:timing>
     <p:tnLst>
       <p:par>
-        <p:cTn xmlns:p14="http://schemas.microsoft.com/office/powerpoint/2010/main" id="1" dur="indefinite" restart="never" nodeType="tmRoot">
+        <p:cTn id="1" dur="indefinite" restart="never" nodeType="tmRoot">
           <p:childTnLst>
             <p:seq concurrent="1" nextAc="seek">
               <p:cTn id="2" dur="indefinite" nodeType="mainSeq">
@@ -17000,13 +17238,13 @@
   <p:clrMapOvr>
     <a:masterClrMapping/>
   </p:clrMapOvr>
-  <p:transition xmlns:p14="http://schemas.microsoft.com/office/powerpoint/2010/main" spd="med">
+  <p:transition spd="med">
     <p:fade/>
   </p:transition>
   <p:timing>
     <p:tnLst>
       <p:par>
-        <p:cTn xmlns:p14="http://schemas.microsoft.com/office/powerpoint/2010/main" id="1" dur="indefinite" restart="never" nodeType="tmRoot"/>
+        <p:cTn id="1" dur="indefinite" restart="never" nodeType="tmRoot"/>
       </p:par>
     </p:tnLst>
   </p:timing>
@@ -17172,13 +17410,13 @@
   <p:clrMapOvr>
     <a:masterClrMapping/>
   </p:clrMapOvr>
-  <p:transition xmlns:p14="http://schemas.microsoft.com/office/powerpoint/2010/main" spd="med">
+  <p:transition spd="med">
     <p:fade/>
   </p:transition>
   <p:timing>
     <p:tnLst>
       <p:par>
-        <p:cTn xmlns:p14="http://schemas.microsoft.com/office/powerpoint/2010/main" id="1" dur="indefinite" restart="never" nodeType="tmRoot"/>
+        <p:cTn id="1" dur="indefinite" restart="never" nodeType="tmRoot"/>
       </p:par>
     </p:tnLst>
   </p:timing>
@@ -17345,13 +17583,13 @@
   <p:clrMapOvr>
     <a:masterClrMapping/>
   </p:clrMapOvr>
-  <p:transition xmlns:p14="http://schemas.microsoft.com/office/powerpoint/2010/main" spd="med">
+  <p:transition spd="med">
     <p:fade/>
   </p:transition>
   <p:timing>
     <p:tnLst>
       <p:par>
-        <p:cTn xmlns:p14="http://schemas.microsoft.com/office/powerpoint/2010/main" id="1" dur="indefinite" restart="never" nodeType="tmRoot"/>
+        <p:cTn id="1" dur="indefinite" restart="never" nodeType="tmRoot"/>
       </p:par>
     </p:tnLst>
   </p:timing>
@@ -17537,13 +17775,13 @@
   <p:clrMapOvr>
     <a:masterClrMapping/>
   </p:clrMapOvr>
-  <p:transition xmlns:p14="http://schemas.microsoft.com/office/powerpoint/2010/main" spd="med">
+  <p:transition spd="med">
     <p:fade/>
   </p:transition>
   <p:timing>
     <p:tnLst>
       <p:par>
-        <p:cTn xmlns:p14="http://schemas.microsoft.com/office/powerpoint/2010/main" id="1" dur="indefinite" restart="never" nodeType="tmRoot"/>
+        <p:cTn id="1" dur="indefinite" restart="never" nodeType="tmRoot"/>
       </p:par>
     </p:tnLst>
   </p:timing>
@@ -17774,13 +18012,13 @@
   <p:clrMapOvr>
     <a:masterClrMapping/>
   </p:clrMapOvr>
-  <p:transition xmlns:p14="http://schemas.microsoft.com/office/powerpoint/2010/main" spd="med">
+  <p:transition spd="med">
     <p:fade/>
   </p:transition>
   <p:timing>
     <p:tnLst>
       <p:par>
-        <p:cTn xmlns:p14="http://schemas.microsoft.com/office/powerpoint/2010/main" id="1" dur="indefinite" restart="never" nodeType="tmRoot"/>
+        <p:cTn id="1" dur="indefinite" restart="never" nodeType="tmRoot"/>
       </p:par>
     </p:tnLst>
   </p:timing>
@@ -23860,13 +24098,13 @@
   <p:clrMapOvr>
     <a:masterClrMapping/>
   </p:clrMapOvr>
-  <p:transition xmlns:p14="http://schemas.microsoft.com/office/powerpoint/2010/main" spd="med">
+  <p:transition spd="med">
     <p:fade/>
   </p:transition>
   <p:timing>
     <p:tnLst>
       <p:par>
-        <p:cTn xmlns:p14="http://schemas.microsoft.com/office/powerpoint/2010/main" id="1" dur="indefinite" restart="never" nodeType="tmRoot"/>
+        <p:cTn id="1" dur="indefinite" restart="never" nodeType="tmRoot"/>
       </p:par>
     </p:tnLst>
   </p:timing>
@@ -24659,13 +24897,13 @@
   <p:clrMapOvr>
     <a:masterClrMapping/>
   </p:clrMapOvr>
-  <p:transition xmlns:p14="http://schemas.microsoft.com/office/powerpoint/2010/main" spd="med">
+  <p:transition spd="med">
     <p:fade/>
   </p:transition>
   <p:timing>
     <p:tnLst>
       <p:par>
-        <p:cTn xmlns:p14="http://schemas.microsoft.com/office/powerpoint/2010/main" id="1" dur="indefinite" restart="never" nodeType="tmRoot"/>
+        <p:cTn id="1" dur="indefinite" restart="never" nodeType="tmRoot"/>
       </p:par>
     </p:tnLst>
   </p:timing>
@@ -24808,7 +25046,7 @@
   <p:timing>
     <p:tnLst>
       <p:par>
-        <p:cTn xmlns:p14="http://schemas.microsoft.com/office/powerpoint/2010/main" id="1" dur="indefinite" restart="never" nodeType="tmRoot"/>
+        <p:cTn id="1" dur="indefinite" restart="never" nodeType="tmRoot"/>
       </p:par>
     </p:tnLst>
   </p:timing>
@@ -24964,13 +25202,13 @@
   <p:clrMapOvr>
     <a:masterClrMapping/>
   </p:clrMapOvr>
-  <p:transition xmlns:p14="http://schemas.microsoft.com/office/powerpoint/2010/main" spd="med">
+  <p:transition spd="med">
     <p:fade/>
   </p:transition>
   <p:timing>
     <p:tnLst>
       <p:par>
-        <p:cTn xmlns:p14="http://schemas.microsoft.com/office/powerpoint/2010/main" id="1" dur="indefinite" restart="never" nodeType="tmRoot"/>
+        <p:cTn id="1" dur="indefinite" restart="never" nodeType="tmRoot"/>
       </p:par>
     </p:tnLst>
   </p:timing>
@@ -25022,11 +25260,11 @@
   <p:clrMapOvr>
     <a:masterClrMapping/>
   </p:clrMapOvr>
-  <p:transition xmlns:p14="http://schemas.microsoft.com/office/powerpoint/2010/main"/>
+  <p:transition/>
   <p:timing>
     <p:tnLst>
       <p:par>
-        <p:cTn xmlns:p14="http://schemas.microsoft.com/office/powerpoint/2010/main" id="1" dur="indefinite" restart="never" nodeType="tmRoot"/>
+        <p:cTn id="1" dur="indefinite" restart="never" nodeType="tmRoot"/>
       </p:par>
     </p:tnLst>
   </p:timing>
@@ -25121,13 +25359,13 @@
   <p:clrMapOvr>
     <a:masterClrMapping/>
   </p:clrMapOvr>
-  <p:transition xmlns:p14="http://schemas.microsoft.com/office/powerpoint/2010/main" spd="med">
+  <p:transition spd="med">
     <p:fade/>
   </p:transition>
   <p:timing>
     <p:tnLst>
       <p:par>
-        <p:cTn xmlns:p14="http://schemas.microsoft.com/office/powerpoint/2010/main" id="1" dur="indefinite" restart="never" nodeType="tmRoot">
+        <p:cTn id="1" dur="indefinite" restart="never" nodeType="tmRoot">
           <p:childTnLst>
             <p:seq concurrent="1" nextAc="seek">
               <p:cTn id="2" dur="indefinite" nodeType="mainSeq">
@@ -25447,13 +25685,13 @@
   <p:clrMapOvr>
     <a:masterClrMapping/>
   </p:clrMapOvr>
-  <p:transition xmlns:p14="http://schemas.microsoft.com/office/powerpoint/2010/main" spd="med">
+  <p:transition spd="med">
     <p:fade/>
   </p:transition>
   <p:timing>
     <p:tnLst>
       <p:par>
-        <p:cTn xmlns:p14="http://schemas.microsoft.com/office/powerpoint/2010/main" id="1" dur="indefinite" restart="never" nodeType="tmRoot"/>
+        <p:cTn id="1" dur="indefinite" restart="never" nodeType="tmRoot"/>
       </p:par>
     </p:tnLst>
   </p:timing>
@@ -25685,13 +25923,13 @@
   <p:clrMapOvr>
     <a:masterClrMapping/>
   </p:clrMapOvr>
-  <p:transition xmlns:p14="http://schemas.microsoft.com/office/powerpoint/2010/main" spd="med">
+  <p:transition spd="med">
     <p:fade/>
   </p:transition>
   <p:timing>
     <p:tnLst>
       <p:par>
-        <p:cTn xmlns:p14="http://schemas.microsoft.com/office/powerpoint/2010/main" id="1" dur="indefinite" restart="never" nodeType="tmRoot">
+        <p:cTn id="1" dur="indefinite" restart="never" nodeType="tmRoot">
           <p:childTnLst>
             <p:seq concurrent="1" nextAc="seek">
               <p:cTn id="2" dur="indefinite" nodeType="mainSeq">
@@ -27120,13 +27358,13 @@
   <p:clrMapOvr>
     <a:masterClrMapping/>
   </p:clrMapOvr>
-  <p:transition xmlns:p14="http://schemas.microsoft.com/office/powerpoint/2010/main" spd="med">
+  <p:transition spd="med">
     <p:fade/>
   </p:transition>
   <p:timing>
     <p:tnLst>
       <p:par>
-        <p:cTn xmlns:p14="http://schemas.microsoft.com/office/powerpoint/2010/main" id="1" dur="indefinite" restart="never" nodeType="tmRoot"/>
+        <p:cTn id="1" dur="indefinite" restart="never" nodeType="tmRoot"/>
       </p:par>
     </p:tnLst>
   </p:timing>
@@ -27265,7 +27503,7 @@
   <p:timing>
     <p:tnLst>
       <p:par>
-        <p:cTn xmlns:p14="http://schemas.microsoft.com/office/powerpoint/2010/main" id="1" dur="indefinite" restart="never" nodeType="tmRoot"/>
+        <p:cTn id="1" dur="indefinite" restart="never" nodeType="tmRoot"/>
       </p:par>
     </p:tnLst>
   </p:timing>
@@ -27317,11 +27555,11 @@
   <p:clrMapOvr>
     <a:masterClrMapping/>
   </p:clrMapOvr>
-  <p:transition xmlns:p14="http://schemas.microsoft.com/office/powerpoint/2010/main"/>
+  <p:transition/>
   <p:timing>
     <p:tnLst>
       <p:par>
-        <p:cTn xmlns:p14="http://schemas.microsoft.com/office/powerpoint/2010/main" id="1" dur="indefinite" restart="never" nodeType="tmRoot"/>
+        <p:cTn id="1" dur="indefinite" restart="never" nodeType="tmRoot"/>
       </p:par>
     </p:tnLst>
   </p:timing>
@@ -27444,13 +27682,13 @@
   <p:clrMapOvr>
     <a:masterClrMapping/>
   </p:clrMapOvr>
-  <p:transition xmlns:p14="http://schemas.microsoft.com/office/powerpoint/2010/main" spd="med">
+  <p:transition spd="med">
     <p:fade/>
   </p:transition>
   <p:timing>
     <p:tnLst>
       <p:par>
-        <p:cTn xmlns:p14="http://schemas.microsoft.com/office/powerpoint/2010/main" id="1" dur="indefinite" restart="never" nodeType="tmRoot"/>
+        <p:cTn id="1" dur="indefinite" restart="never" nodeType="tmRoot"/>
       </p:par>
     </p:tnLst>
   </p:timing>
@@ -27545,13 +27783,13 @@
   <p:clrMapOvr>
     <a:masterClrMapping/>
   </p:clrMapOvr>
-  <p:transition xmlns:p14="http://schemas.microsoft.com/office/powerpoint/2010/main" spd="med">
+  <p:transition spd="med">
     <p:fade/>
   </p:transition>
   <p:timing>
     <p:tnLst>
       <p:par>
-        <p:cTn xmlns:p14="http://schemas.microsoft.com/office/powerpoint/2010/main" id="1" dur="indefinite" restart="never" nodeType="tmRoot"/>
+        <p:cTn id="1" dur="indefinite" restart="never" nodeType="tmRoot"/>
       </p:par>
     </p:tnLst>
   </p:timing>
@@ -27721,13 +27959,13 @@
   <p:clrMapOvr>
     <a:masterClrMapping/>
   </p:clrMapOvr>
-  <p:transition xmlns:p14="http://schemas.microsoft.com/office/powerpoint/2010/main" spd="med">
+  <p:transition spd="med">
     <p:fade/>
   </p:transition>
   <p:timing>
     <p:tnLst>
       <p:par>
-        <p:cTn xmlns:p14="http://schemas.microsoft.com/office/powerpoint/2010/main" id="1" dur="indefinite" restart="never" nodeType="tmRoot"/>
+        <p:cTn id="1" dur="indefinite" restart="never" nodeType="tmRoot"/>
       </p:par>
     </p:tnLst>
   </p:timing>
@@ -27812,13 +28050,13 @@
   <p:clrMapOvr>
     <a:masterClrMapping/>
   </p:clrMapOvr>
-  <p:transition xmlns:p14="http://schemas.microsoft.com/office/powerpoint/2010/main" spd="med">
+  <p:transition spd="med">
     <p:fade/>
   </p:transition>
   <p:timing>
     <p:tnLst>
       <p:par>
-        <p:cTn xmlns:p14="http://schemas.microsoft.com/office/powerpoint/2010/main" id="1" dur="indefinite" restart="never" nodeType="tmRoot"/>
+        <p:cTn id="1" dur="indefinite" restart="never" nodeType="tmRoot"/>
       </p:par>
     </p:tnLst>
   </p:timing>
@@ -27963,13 +28201,13 @@
   <p:clrMapOvr>
     <a:masterClrMapping/>
   </p:clrMapOvr>
-  <p:transition xmlns:p14="http://schemas.microsoft.com/office/powerpoint/2010/main" spd="med">
+  <p:transition spd="med">
     <p:fade/>
   </p:transition>
   <p:timing>
     <p:tnLst>
       <p:par>
-        <p:cTn xmlns:p14="http://schemas.microsoft.com/office/powerpoint/2010/main" id="1" dur="indefinite" restart="never" nodeType="tmRoot"/>
+        <p:cTn id="1" dur="indefinite" restart="never" nodeType="tmRoot"/>
       </p:par>
     </p:tnLst>
   </p:timing>
@@ -28098,7 +28336,7 @@
   <p:timing>
     <p:tnLst>
       <p:par>
-        <p:cTn xmlns:p14="http://schemas.microsoft.com/office/powerpoint/2010/main" id="1" dur="indefinite" restart="never" nodeType="tmRoot"/>
+        <p:cTn id="1" dur="indefinite" restart="never" nodeType="tmRoot"/>
       </p:par>
     </p:tnLst>
   </p:timing>
@@ -28254,13 +28492,13 @@
   <p:clrMapOvr>
     <a:masterClrMapping/>
   </p:clrMapOvr>
-  <p:transition xmlns:p14="http://schemas.microsoft.com/office/powerpoint/2010/main" spd="med">
+  <p:transition spd="med">
     <p:fade/>
   </p:transition>
   <p:timing>
     <p:tnLst>
       <p:par>
-        <p:cTn xmlns:p14="http://schemas.microsoft.com/office/powerpoint/2010/main" id="1" dur="indefinite" restart="never" nodeType="tmRoot"/>
+        <p:cTn id="1" dur="indefinite" restart="never" nodeType="tmRoot"/>
       </p:par>
     </p:tnLst>
   </p:timing>
@@ -28403,13 +28641,13 @@
   <p:clrMapOvr>
     <a:masterClrMapping/>
   </p:clrMapOvr>
-  <p:transition xmlns:p14="http://schemas.microsoft.com/office/powerpoint/2010/main" spd="med">
+  <p:transition spd="med">
     <p:fade/>
   </p:transition>
   <p:timing>
     <p:tnLst>
       <p:par>
-        <p:cTn xmlns:p14="http://schemas.microsoft.com/office/powerpoint/2010/main" id="1" dur="indefinite" restart="never" nodeType="tmRoot"/>
+        <p:cTn id="1" dur="indefinite" restart="never" nodeType="tmRoot"/>
       </p:par>
     </p:tnLst>
   </p:timing>
@@ -29202,13 +29440,13 @@
   <p:clrMapOvr>
     <a:masterClrMapping/>
   </p:clrMapOvr>
-  <p:transition xmlns:p14="http://schemas.microsoft.com/office/powerpoint/2010/main" spd="med">
+  <p:transition spd="med">
     <p:fade/>
   </p:transition>
   <p:timing>
     <p:tnLst>
       <p:par>
-        <p:cTn xmlns:p14="http://schemas.microsoft.com/office/powerpoint/2010/main" id="1" dur="indefinite" restart="never" nodeType="tmRoot"/>
+        <p:cTn id="1" dur="indefinite" restart="never" nodeType="tmRoot"/>
       </p:par>
     </p:tnLst>
   </p:timing>
@@ -29265,11 +29503,11 @@
   <p:clrMapOvr>
     <a:masterClrMapping/>
   </p:clrMapOvr>
-  <p:transition xmlns:p14="http://schemas.microsoft.com/office/powerpoint/2010/main"/>
+  <p:transition/>
   <p:timing>
     <p:tnLst>
       <p:par>
-        <p:cTn xmlns:p14="http://schemas.microsoft.com/office/powerpoint/2010/main" id="1" dur="indefinite" restart="never" nodeType="tmRoot"/>
+        <p:cTn id="1" dur="indefinite" restart="never" nodeType="tmRoot"/>
       </p:par>
     </p:tnLst>
   </p:timing>
@@ -30029,13 +30267,13 @@
   <p:clrMapOvr>
     <a:masterClrMapping/>
   </p:clrMapOvr>
-  <p:transition xmlns:p14="http://schemas.microsoft.com/office/powerpoint/2010/main" spd="med">
+  <p:transition spd="med">
     <p:fade/>
   </p:transition>
   <p:timing>
     <p:tnLst>
       <p:par>
-        <p:cTn xmlns:p14="http://schemas.microsoft.com/office/powerpoint/2010/main" id="1" dur="indefinite" restart="never" nodeType="tmRoot">
+        <p:cTn id="1" dur="indefinite" restart="never" nodeType="tmRoot">
           <p:childTnLst>
             <p:seq concurrent="1" nextAc="seek">
               <p:cTn id="2" dur="indefinite" nodeType="mainSeq">
@@ -33600,13 +33838,13 @@
   <p:clrMapOvr>
     <a:masterClrMapping/>
   </p:clrMapOvr>
-  <p:transition xmlns:p14="http://schemas.microsoft.com/office/powerpoint/2010/main" spd="med">
+  <p:transition spd="med">
     <p:fade/>
   </p:transition>
   <p:timing>
     <p:tnLst>
       <p:par>
-        <p:cTn xmlns:p14="http://schemas.microsoft.com/office/powerpoint/2010/main" id="1" dur="indefinite" restart="never" nodeType="tmRoot">
+        <p:cTn id="1" dur="indefinite" restart="never" nodeType="tmRoot">
           <p:childTnLst>
             <p:seq concurrent="1" nextAc="seek">
               <p:cTn id="2" dur="indefinite" nodeType="mainSeq">
@@ -34247,13 +34485,13 @@
   <p:clrMapOvr>
     <a:masterClrMapping/>
   </p:clrMapOvr>
-  <p:transition xmlns:p14="http://schemas.microsoft.com/office/powerpoint/2010/main" spd="med">
+  <p:transition spd="med">
     <p:fade/>
   </p:transition>
   <p:timing>
     <p:tnLst>
       <p:par>
-        <p:cTn xmlns:p14="http://schemas.microsoft.com/office/powerpoint/2010/main" id="1" dur="indefinite" restart="never" nodeType="tmRoot"/>
+        <p:cTn id="1" dur="indefinite" restart="never" nodeType="tmRoot"/>
       </p:par>
     </p:tnLst>
   </p:timing>
@@ -34305,11 +34543,11 @@
   <p:clrMapOvr>
     <a:masterClrMapping/>
   </p:clrMapOvr>
-  <p:transition xmlns:p14="http://schemas.microsoft.com/office/powerpoint/2010/main"/>
+  <p:transition/>
   <p:timing>
     <p:tnLst>
       <p:par>
-        <p:cTn xmlns:p14="http://schemas.microsoft.com/office/powerpoint/2010/main" id="1" dur="indefinite" restart="never" nodeType="tmRoot"/>
+        <p:cTn id="1" dur="indefinite" restart="never" nodeType="tmRoot"/>
       </p:par>
     </p:tnLst>
   </p:timing>
@@ -35247,13 +35485,13 @@
   <p:clrMapOvr>
     <a:masterClrMapping/>
   </p:clrMapOvr>
-  <p:transition xmlns:p14="http://schemas.microsoft.com/office/powerpoint/2010/main" spd="med">
+  <p:transition spd="med">
     <p:fade/>
   </p:transition>
   <p:timing>
     <p:tnLst>
       <p:par>
-        <p:cTn xmlns:p14="http://schemas.microsoft.com/office/powerpoint/2010/main" id="1" dur="indefinite" restart="never" nodeType="tmRoot"/>
+        <p:cTn id="1" dur="indefinite" restart="never" nodeType="tmRoot"/>
       </p:par>
     </p:tnLst>
   </p:timing>

--- a/Agile Business Analysis/03-Understanding the Biz Domain.pptx
+++ b/Agile Business Analysis/03-Understanding the Biz Domain.pptx
@@ -453,7 +453,7 @@
             <a:fld id="{3645A85B-5EE2-224D-892B-EBDEE738041D}" type="datetime1">
               <a:rPr lang="en-US"/>
               <a:pPr/>
-              <a:t>10/5/15</a:t>
+              <a:t>12/21/15</a:t>
             </a:fld>
             <a:endParaRPr lang="en-US"/>
           </a:p>
@@ -696,7 +696,7 @@
             <a:fld id="{357A0049-9727-1C49-9F90-B954D42273FA}" type="datetime1">
               <a:rPr lang="en-US"/>
               <a:pPr/>
-              <a:t>10/5/15</a:t>
+              <a:t>12/21/15</a:t>
             </a:fld>
             <a:endParaRPr lang="en-US"/>
           </a:p>
@@ -1386,17 +1386,12 @@
           <a:lstStyle/>
           <a:p>
             <a:r>
-              <a:rPr lang="en-US" b="1" i="1" dirty="0" smtClean="0"/>
-              <a:t>[Doc says: like the last one, I’m not sure if you’re going to talk here.]</a:t>
-            </a:r>
-          </a:p>
-          <a:p>
-            <a:endParaRPr lang="en-US" b="1" i="1" dirty="0" smtClean="0"/>
-          </a:p>
-          <a:p>
-            <a:r>
               <a:rPr lang="en-US" b="0" i="0" u="none" dirty="0" smtClean="0"/>
-              <a:t>Low: 1min</a:t>
+              <a:t>Low</a:t>
+            </a:r>
+            <a:r>
+              <a:rPr lang="en-US" b="0" i="0" u="none" dirty="0" smtClean="0"/>
+              <a:t>: 1min</a:t>
             </a:r>
           </a:p>
           <a:p>
@@ -2994,7 +2989,9 @@
           <a:ln/>
         </p:spPr>
         <p:txBody>
-          <a:bodyPr/>
+          <a:bodyPr>
+            <a:normAutofit lnSpcReduction="10000"/>
+          </a:bodyPr>
           <a:lstStyle/>
           <a:p>
             <a:pPr marL="348598" indent="-348598">
@@ -4087,7 +4084,7 @@
         <p:spPr/>
         <p:txBody>
           <a:bodyPr>
-            <a:normAutofit fontScale="70000" lnSpcReduction="20000"/>
+            <a:normAutofit/>
           </a:bodyPr>
           <a:lstStyle/>
           <a:p>
@@ -4707,7 +4704,9 @@
           </a:xfrm>
         </p:spPr>
         <p:txBody>
-          <a:bodyPr/>
+          <a:bodyPr>
+            <a:normAutofit lnSpcReduction="10000"/>
+          </a:bodyPr>
           <a:lstStyle/>
           <a:p>
             <a:r>
@@ -5605,7 +5604,7 @@
         <p:spPr/>
         <p:txBody>
           <a:bodyPr>
-            <a:normAutofit fontScale="70000" lnSpcReduction="20000"/>
+            <a:normAutofit/>
           </a:bodyPr>
           <a:lstStyle/>
           <a:p>
@@ -6604,7 +6603,7 @@
         <p:spPr/>
         <p:txBody>
           <a:bodyPr>
-            <a:normAutofit fontScale="70000" lnSpcReduction="20000"/>
+            <a:normAutofit/>
           </a:bodyPr>
           <a:lstStyle/>
           <a:p>
@@ -7383,7 +7382,7 @@
         <p:spPr/>
         <p:txBody>
           <a:bodyPr>
-            <a:normAutofit fontScale="70000" lnSpcReduction="20000"/>
+            <a:normAutofit/>
           </a:bodyPr>
           <a:lstStyle/>
           <a:p>
@@ -14716,14 +14715,14 @@
           </a:ln>
           <a:extLst>
             <a:ext uri="{909E8E84-426E-40dd-AFC4-6F175D3DCCD1}">
-              <a14:hiddenFill xmlns:a14="http://schemas.microsoft.com/office/drawing/2010/main" xmlns="">
+              <a14:hiddenFill xmlns="" xmlns:a14="http://schemas.microsoft.com/office/drawing/2010/main">
                 <a:solidFill>
                   <a:srgbClr val="FFFFFF"/>
                 </a:solidFill>
               </a14:hiddenFill>
             </a:ext>
             <a:ext uri="{91240B29-F687-4f45-9708-019B960494DF}">
-              <a14:hiddenLine xmlns:a14="http://schemas.microsoft.com/office/drawing/2010/main" xmlns="" w="9525">
+              <a14:hiddenLine xmlns="" xmlns:a14="http://schemas.microsoft.com/office/drawing/2010/main" w="9525">
                 <a:solidFill>
                   <a:srgbClr val="000000"/>
                 </a:solidFill>
@@ -15759,7 +15758,7 @@
           <a:graphicData uri="http://schemas.openxmlformats.org/presentationml/2006/ole">
             <mc:AlternateContent xmlns:mc="http://schemas.openxmlformats.org/markup-compatibility/2006">
               <mc:Choice xmlns:v="urn:schemas-microsoft-com:vml" Requires="v">
-                <p:oleObj spid="_x0000_s1070" name="Visio" r:id="rId4" imgW="9849993" imgH="7402830" progId="Visio.Drawing.11">
+                <p:oleObj spid="_x0000_s1072" name="Visio" r:id="rId4" imgW="9849993" imgH="7402830" progId="Visio.Drawing.11">
                   <p:embed/>
                 </p:oleObj>
               </mc:Choice>
@@ -15798,7 +15797,7 @@
                       <a:noFill/>
                       <a:extLst>
                         <a:ext uri="{909E8E84-426E-40dd-AFC4-6F175D3DCCD1}">
-                          <a14:hiddenFill xmlns:a14="http://schemas.microsoft.com/office/drawing/2010/main" xmlns="">
+                          <a14:hiddenFill xmlns="" xmlns:a14="http://schemas.microsoft.com/office/drawing/2010/main">
                             <a:solidFill>
                               <a:srgbClr val="FFFFFF"/>
                             </a:solidFill>
@@ -15898,7 +15897,7 @@
           <a:graphicData uri="http://schemas.openxmlformats.org/presentationml/2006/ole">
             <mc:AlternateContent xmlns:mc="http://schemas.openxmlformats.org/markup-compatibility/2006">
               <mc:Choice xmlns:v="urn:schemas-microsoft-com:vml" Requires="v">
-                <p:oleObj spid="_x0000_s2094" name="Visio" r:id="rId4" imgW="10151364" imgH="7855839" progId="Visio.Drawing.11">
+                <p:oleObj spid="_x0000_s2096" name="Visio" r:id="rId4" imgW="10151364" imgH="7855839" progId="Visio.Drawing.11">
                   <p:embed/>
                 </p:oleObj>
               </mc:Choice>
@@ -15937,7 +15936,7 @@
                       <a:noFill/>
                       <a:extLst>
                         <a:ext uri="{909E8E84-426E-40dd-AFC4-6F175D3DCCD1}">
-                          <a14:hiddenFill xmlns:a14="http://schemas.microsoft.com/office/drawing/2010/main" xmlns="">
+                          <a14:hiddenFill xmlns="" xmlns:a14="http://schemas.microsoft.com/office/drawing/2010/main">
                             <a:solidFill>
                               <a:srgbClr val="FFFFFF"/>
                             </a:solidFill>
